--- a/Old/ITProjectManagement/ImageAndResources/wireframe.pptx
+++ b/Old/ITProjectManagement/ImageAndResources/wireframe.pptx
@@ -277,7 +277,7 @@
           <a:p>
             <a:fld id="{4807185A-816E-4D07-BD68-6FA3F9B52EF9}" type="datetimeFigureOut">
               <a:rPr lang="en-AU" smtClean="0"/>
-              <a:t>20/03/2022</a:t>
+              <a:t>13/02/2023</a:t>
             </a:fld>
             <a:endParaRPr lang="en-AU"/>
           </a:p>
@@ -447,7 +447,7 @@
           <a:p>
             <a:fld id="{4807185A-816E-4D07-BD68-6FA3F9B52EF9}" type="datetimeFigureOut">
               <a:rPr lang="en-AU" smtClean="0"/>
-              <a:t>20/03/2022</a:t>
+              <a:t>13/02/2023</a:t>
             </a:fld>
             <a:endParaRPr lang="en-AU"/>
           </a:p>
@@ -627,7 +627,7 @@
           <a:p>
             <a:fld id="{4807185A-816E-4D07-BD68-6FA3F9B52EF9}" type="datetimeFigureOut">
               <a:rPr lang="en-AU" smtClean="0"/>
-              <a:t>20/03/2022</a:t>
+              <a:t>13/02/2023</a:t>
             </a:fld>
             <a:endParaRPr lang="en-AU"/>
           </a:p>
@@ -797,7 +797,7 @@
           <a:p>
             <a:fld id="{4807185A-816E-4D07-BD68-6FA3F9B52EF9}" type="datetimeFigureOut">
               <a:rPr lang="en-AU" smtClean="0"/>
-              <a:t>20/03/2022</a:t>
+              <a:t>13/02/2023</a:t>
             </a:fld>
             <a:endParaRPr lang="en-AU"/>
           </a:p>
@@ -1043,7 +1043,7 @@
           <a:p>
             <a:fld id="{4807185A-816E-4D07-BD68-6FA3F9B52EF9}" type="datetimeFigureOut">
               <a:rPr lang="en-AU" smtClean="0"/>
-              <a:t>20/03/2022</a:t>
+              <a:t>13/02/2023</a:t>
             </a:fld>
             <a:endParaRPr lang="en-AU"/>
           </a:p>
@@ -1275,7 +1275,7 @@
           <a:p>
             <a:fld id="{4807185A-816E-4D07-BD68-6FA3F9B52EF9}" type="datetimeFigureOut">
               <a:rPr lang="en-AU" smtClean="0"/>
-              <a:t>20/03/2022</a:t>
+              <a:t>13/02/2023</a:t>
             </a:fld>
             <a:endParaRPr lang="en-AU"/>
           </a:p>
@@ -1642,7 +1642,7 @@
           <a:p>
             <a:fld id="{4807185A-816E-4D07-BD68-6FA3F9B52EF9}" type="datetimeFigureOut">
               <a:rPr lang="en-AU" smtClean="0"/>
-              <a:t>20/03/2022</a:t>
+              <a:t>13/02/2023</a:t>
             </a:fld>
             <a:endParaRPr lang="en-AU"/>
           </a:p>
@@ -1760,7 +1760,7 @@
           <a:p>
             <a:fld id="{4807185A-816E-4D07-BD68-6FA3F9B52EF9}" type="datetimeFigureOut">
               <a:rPr lang="en-AU" smtClean="0"/>
-              <a:t>20/03/2022</a:t>
+              <a:t>13/02/2023</a:t>
             </a:fld>
             <a:endParaRPr lang="en-AU"/>
           </a:p>
@@ -1855,7 +1855,7 @@
           <a:p>
             <a:fld id="{4807185A-816E-4D07-BD68-6FA3F9B52EF9}" type="datetimeFigureOut">
               <a:rPr lang="en-AU" smtClean="0"/>
-              <a:t>20/03/2022</a:t>
+              <a:t>13/02/2023</a:t>
             </a:fld>
             <a:endParaRPr lang="en-AU"/>
           </a:p>
@@ -2132,7 +2132,7 @@
           <a:p>
             <a:fld id="{4807185A-816E-4D07-BD68-6FA3F9B52EF9}" type="datetimeFigureOut">
               <a:rPr lang="en-AU" smtClean="0"/>
-              <a:t>20/03/2022</a:t>
+              <a:t>13/02/2023</a:t>
             </a:fld>
             <a:endParaRPr lang="en-AU"/>
           </a:p>
@@ -2385,7 +2385,7 @@
           <a:p>
             <a:fld id="{4807185A-816E-4D07-BD68-6FA3F9B52EF9}" type="datetimeFigureOut">
               <a:rPr lang="en-AU" smtClean="0"/>
-              <a:t>20/03/2022</a:t>
+              <a:t>13/02/2023</a:t>
             </a:fld>
             <a:endParaRPr lang="en-AU"/>
           </a:p>
@@ -2598,7 +2598,7 @@
           <a:p>
             <a:fld id="{4807185A-816E-4D07-BD68-6FA3F9B52EF9}" type="datetimeFigureOut">
               <a:rPr lang="en-AU" smtClean="0"/>
-              <a:t>20/03/2022</a:t>
+              <a:t>13/02/2023</a:t>
             </a:fld>
             <a:endParaRPr lang="en-AU"/>
           </a:p>
@@ -3005,13 +3005,13 @@
       </p:grpSpPr>
       <p:sp>
         <p:nvSpPr>
-          <p:cNvPr id="68" name="Rounded Rectangle 67"/>
+          <p:cNvPr id="73" name="Rounded Rectangle 72"/>
           <p:cNvSpPr/>
           <p:nvPr/>
         </p:nvSpPr>
         <p:spPr>
           <a:xfrm>
-            <a:off x="752145" y="1944275"/>
+            <a:off x="7893179" y="1996548"/>
             <a:ext cx="2966105" cy="2802533"/>
           </a:xfrm>
           <a:prstGeom prst="roundRect">
@@ -3020,9 +3020,8 @@
             </a:avLst>
           </a:prstGeom>
           <a:solidFill>
-            <a:schemeClr val="accent2">
-              <a:lumMod val="20000"/>
-              <a:lumOff val="80000"/>
+            <a:schemeClr val="accent5">
+              <a:lumMod val="50000"/>
             </a:schemeClr>
           </a:solidFill>
           <a:ln>
@@ -3056,6 +3055,103 @@
       </p:sp>
       <p:sp>
         <p:nvSpPr>
+          <p:cNvPr id="3" name="Rectangle 2"/>
+          <p:cNvSpPr/>
+          <p:nvPr/>
+        </p:nvSpPr>
+        <p:spPr>
+          <a:xfrm>
+            <a:off x="275442" y="1400728"/>
+            <a:ext cx="3919509" cy="4250463"/>
+          </a:xfrm>
+          <a:prstGeom prst="rect">
+            <a:avLst/>
+          </a:prstGeom>
+          <a:solidFill>
+            <a:srgbClr val="FF0000"/>
+          </a:solidFill>
+          <a:ln>
+            <a:noFill/>
+          </a:ln>
+        </p:spPr>
+        <p:style>
+          <a:lnRef idx="2">
+            <a:schemeClr val="accent1">
+              <a:shade val="50000"/>
+            </a:schemeClr>
+          </a:lnRef>
+          <a:fillRef idx="1">
+            <a:schemeClr val="accent1"/>
+          </a:fillRef>
+          <a:effectRef idx="0">
+            <a:schemeClr val="accent1"/>
+          </a:effectRef>
+          <a:fontRef idx="minor">
+            <a:schemeClr val="lt1"/>
+          </a:fontRef>
+        </p:style>
+        <p:txBody>
+          <a:bodyPr rtlCol="0" anchor="ctr"/>
+          <a:lstStyle/>
+          <a:p>
+            <a:pPr algn="ctr"/>
+            <a:endParaRPr lang="en-AU"/>
+          </a:p>
+        </p:txBody>
+      </p:sp>
+      <p:sp>
+        <p:nvSpPr>
+          <p:cNvPr id="68" name="Rounded Rectangle 67"/>
+          <p:cNvSpPr/>
+          <p:nvPr/>
+        </p:nvSpPr>
+        <p:spPr>
+          <a:xfrm>
+            <a:off x="752145" y="1944275"/>
+            <a:ext cx="2966105" cy="2802533"/>
+          </a:xfrm>
+          <a:prstGeom prst="roundRect">
+            <a:avLst>
+              <a:gd name="adj" fmla="val 27173"/>
+            </a:avLst>
+          </a:prstGeom>
+          <a:solidFill>
+            <a:schemeClr val="accent2">
+              <a:lumMod val="20000"/>
+              <a:lumOff val="80000"/>
+            </a:schemeClr>
+          </a:solidFill>
+          <a:ln>
+            <a:noFill/>
+          </a:ln>
+        </p:spPr>
+        <p:style>
+          <a:lnRef idx="2">
+            <a:schemeClr val="accent1">
+              <a:shade val="50000"/>
+            </a:schemeClr>
+          </a:lnRef>
+          <a:fillRef idx="1">
+            <a:schemeClr val="accent1"/>
+          </a:fillRef>
+          <a:effectRef idx="0">
+            <a:schemeClr val="accent1"/>
+          </a:effectRef>
+          <a:fontRef idx="minor">
+            <a:schemeClr val="lt1"/>
+          </a:fontRef>
+        </p:style>
+        <p:txBody>
+          <a:bodyPr rtlCol="0" anchor="ctr"/>
+          <a:lstStyle/>
+          <a:p>
+            <a:pPr algn="ctr"/>
+            <a:endParaRPr lang="en-AU"/>
+          </a:p>
+        </p:txBody>
+      </p:sp>
+      <p:sp>
+        <p:nvSpPr>
           <p:cNvPr id="4" name="TextBox 3"/>
           <p:cNvSpPr txBox="1"/>
           <p:nvPr/>
@@ -3118,14 +3214,667 @@
       </p:sp>
       <p:sp>
         <p:nvSpPr>
-          <p:cNvPr id="67" name="Freeform 66"/>
+          <p:cNvPr id="36" name="Freeform 35"/>
           <p:cNvSpPr/>
           <p:nvPr/>
         </p:nvSpPr>
         <p:spPr>
           <a:xfrm>
-            <a:off x="1155197" y="2265541"/>
+            <a:off x="5185139" y="2783538"/>
             <a:ext cx="2160000" cy="2160000"/>
+          </a:xfrm>
+          <a:custGeom>
+            <a:avLst/>
+            <a:gdLst>
+              <a:gd name="connsiteX0" fmla="*/ 1080000 w 2160000"/>
+              <a:gd name="connsiteY0" fmla="*/ 540000 h 2160000"/>
+              <a:gd name="connsiteX1" fmla="*/ 540000 w 2160000"/>
+              <a:gd name="connsiteY1" fmla="*/ 1080000 h 2160000"/>
+              <a:gd name="connsiteX2" fmla="*/ 869808 w 2160000"/>
+              <a:gd name="connsiteY2" fmla="*/ 1577564 h 2160000"/>
+              <a:gd name="connsiteX3" fmla="*/ 969592 w 2160000"/>
+              <a:gd name="connsiteY3" fmla="*/ 1608539 h 2160000"/>
+              <a:gd name="connsiteX4" fmla="*/ 999532 w 2160000"/>
+              <a:gd name="connsiteY4" fmla="*/ 1500369 h 2160000"/>
+              <a:gd name="connsiteX5" fmla="*/ 1285622 w 2160000"/>
+              <a:gd name="connsiteY5" fmla="*/ 1579554 h 2160000"/>
+              <a:gd name="connsiteX6" fmla="*/ 1297818 w 2160000"/>
+              <a:gd name="connsiteY6" fmla="*/ 1578324 h 2160000"/>
+              <a:gd name="connsiteX7" fmla="*/ 1521707 w 2160000"/>
+              <a:gd name="connsiteY7" fmla="*/ 1697365 h 2160000"/>
+              <a:gd name="connsiteX8" fmla="*/ 1535646 w 2160000"/>
+              <a:gd name="connsiteY8" fmla="*/ 1723046 h 2160000"/>
+              <a:gd name="connsiteX9" fmla="*/ 1624747 w 2160000"/>
+              <a:gd name="connsiteY9" fmla="*/ 1747708 h 2160000"/>
+              <a:gd name="connsiteX10" fmla="*/ 1623842 w 2160000"/>
+              <a:gd name="connsiteY10" fmla="*/ 1738544 h 2160000"/>
+              <a:gd name="connsiteX11" fmla="*/ 1626005 w 2160000"/>
+              <a:gd name="connsiteY11" fmla="*/ 1716639 h 2160000"/>
+              <a:gd name="connsiteX12" fmla="*/ 1620298 w 2160000"/>
+              <a:gd name="connsiteY12" fmla="*/ 1716639 h 2160000"/>
+              <a:gd name="connsiteX13" fmla="*/ 1620298 w 2160000"/>
+              <a:gd name="connsiteY13" fmla="*/ 1090950 h 2160000"/>
+              <a:gd name="connsiteX14" fmla="*/ 1618898 w 2160000"/>
+              <a:gd name="connsiteY14" fmla="*/ 1090937 h 2160000"/>
+              <a:gd name="connsiteX15" fmla="*/ 1620000 w 2160000"/>
+              <a:gd name="connsiteY15" fmla="*/ 1080000 h 2160000"/>
+              <a:gd name="connsiteX16" fmla="*/ 1080000 w 2160000"/>
+              <a:gd name="connsiteY16" fmla="*/ 540000 h 2160000"/>
+              <a:gd name="connsiteX17" fmla="*/ 1080000 w 2160000"/>
+              <a:gd name="connsiteY17" fmla="*/ 0 h 2160000"/>
+              <a:gd name="connsiteX18" fmla="*/ 2154424 w 2160000"/>
+              <a:gd name="connsiteY18" fmla="*/ 969576 h 2160000"/>
+              <a:gd name="connsiteX19" fmla="*/ 2157027 w 2160000"/>
+              <a:gd name="connsiteY19" fmla="*/ 1021127 h 2160000"/>
+              <a:gd name="connsiteX20" fmla="*/ 2159999 w 2160000"/>
+              <a:gd name="connsiteY20" fmla="*/ 1021127 h 2160000"/>
+              <a:gd name="connsiteX21" fmla="*/ 2159999 w 2160000"/>
+              <a:gd name="connsiteY21" fmla="*/ 1079980 h 2160000"/>
+              <a:gd name="connsiteX22" fmla="*/ 2160000 w 2160000"/>
+              <a:gd name="connsiteY22" fmla="*/ 1080000 h 2160000"/>
+              <a:gd name="connsiteX23" fmla="*/ 2159999 w 2160000"/>
+              <a:gd name="connsiteY23" fmla="*/ 1080021 h 2160000"/>
+              <a:gd name="connsiteX24" fmla="*/ 2159999 w 2160000"/>
+              <a:gd name="connsiteY24" fmla="*/ 1716639 h 2160000"/>
+              <a:gd name="connsiteX25" fmla="*/ 2157838 w 2160000"/>
+              <a:gd name="connsiteY25" fmla="*/ 1716639 h 2160000"/>
+              <a:gd name="connsiteX26" fmla="*/ 2160000 w 2160000"/>
+              <a:gd name="connsiteY26" fmla="*/ 1738544 h 2160000"/>
+              <a:gd name="connsiteX27" fmla="*/ 1891921 w 2160000"/>
+              <a:gd name="connsiteY27" fmla="*/ 2012333 h 2160000"/>
+              <a:gd name="connsiteX28" fmla="*/ 1852547 w 2160000"/>
+              <a:gd name="connsiteY28" fmla="*/ 2008279 h 2160000"/>
+              <a:gd name="connsiteX29" fmla="*/ 1851795 w 2160000"/>
+              <a:gd name="connsiteY29" fmla="*/ 2010996 h 2160000"/>
+              <a:gd name="connsiteX30" fmla="*/ 1554119 w 2160000"/>
+              <a:gd name="connsiteY30" fmla="*/ 1928605 h 2160000"/>
+              <a:gd name="connsiteX31" fmla="*/ 1541193 w 2160000"/>
+              <a:gd name="connsiteY31" fmla="*/ 1965380 h 2160000"/>
+              <a:gd name="connsiteX32" fmla="*/ 1469563 w 2160000"/>
+              <a:gd name="connsiteY32" fmla="*/ 2056669 h 2160000"/>
+              <a:gd name="connsiteX33" fmla="*/ 1412948 w 2160000"/>
+              <a:gd name="connsiteY33" fmla="*/ 2091019 h 2160000"/>
+              <a:gd name="connsiteX34" fmla="*/ 1398272 w 2160000"/>
+              <a:gd name="connsiteY34" fmla="*/ 2101498 h 2160000"/>
+              <a:gd name="connsiteX35" fmla="*/ 1374464 w 2160000"/>
+              <a:gd name="connsiteY35" fmla="*/ 2110955 h 2160000"/>
+              <a:gd name="connsiteX36" fmla="*/ 1376211 w 2160000"/>
+              <a:gd name="connsiteY36" fmla="*/ 2117860 h 2160000"/>
+              <a:gd name="connsiteX37" fmla="*/ 1321962 w 2160000"/>
+              <a:gd name="connsiteY37" fmla="*/ 2131809 h 2160000"/>
+              <a:gd name="connsiteX38" fmla="*/ 1306247 w 2160000"/>
+              <a:gd name="connsiteY38" fmla="*/ 2138051 h 2160000"/>
+              <a:gd name="connsiteX39" fmla="*/ 1267530 w 2160000"/>
+              <a:gd name="connsiteY39" fmla="*/ 2142656 h 2160000"/>
+              <a:gd name="connsiteX40" fmla="*/ 1190424 w 2160000"/>
+              <a:gd name="connsiteY40" fmla="*/ 2154424 h 2160000"/>
+              <a:gd name="connsiteX41" fmla="*/ 1080000 w 2160000"/>
+              <a:gd name="connsiteY41" fmla="*/ 2160000 h 2160000"/>
+              <a:gd name="connsiteX42" fmla="*/ 969576 w 2160000"/>
+              <a:gd name="connsiteY42" fmla="*/ 2154424 h 2160000"/>
+              <a:gd name="connsiteX43" fmla="*/ 872522 w 2160000"/>
+              <a:gd name="connsiteY43" fmla="*/ 2139612 h 2160000"/>
+              <a:gd name="connsiteX44" fmla="*/ 872025 w 2160000"/>
+              <a:gd name="connsiteY44" fmla="*/ 2141408 h 2160000"/>
+              <a:gd name="connsiteX45" fmla="*/ 828292 w 2160000"/>
+              <a:gd name="connsiteY45" fmla="*/ 2129303 h 2160000"/>
+              <a:gd name="connsiteX46" fmla="*/ 758841 w 2160000"/>
+              <a:gd name="connsiteY46" fmla="*/ 2111446 h 2160000"/>
+              <a:gd name="connsiteX47" fmla="*/ 743540 w 2160000"/>
+              <a:gd name="connsiteY47" fmla="*/ 2105845 h 2160000"/>
+              <a:gd name="connsiteX48" fmla="*/ 430701 w 2160000"/>
+              <a:gd name="connsiteY48" fmla="*/ 2019257 h 2160000"/>
+              <a:gd name="connsiteX49" fmla="*/ 448519 w 2160000"/>
+              <a:gd name="connsiteY49" fmla="*/ 1954882 h 2160000"/>
+              <a:gd name="connsiteX50" fmla="*/ 393020 w 2160000"/>
+              <a:gd name="connsiteY50" fmla="*/ 1913381 h 2160000"/>
+              <a:gd name="connsiteX51" fmla="*/ 0 w 2160000"/>
+              <a:gd name="connsiteY51" fmla="*/ 1080000 h 2160000"/>
+              <a:gd name="connsiteX52" fmla="*/ 1080000 w 2160000"/>
+              <a:gd name="connsiteY52" fmla="*/ 0 h 2160000"/>
+            </a:gdLst>
+            <a:ahLst/>
+            <a:cxnLst>
+              <a:cxn ang="0">
+                <a:pos x="connsiteX0" y="connsiteY0"/>
+              </a:cxn>
+              <a:cxn ang="0">
+                <a:pos x="connsiteX1" y="connsiteY1"/>
+              </a:cxn>
+              <a:cxn ang="0">
+                <a:pos x="connsiteX2" y="connsiteY2"/>
+              </a:cxn>
+              <a:cxn ang="0">
+                <a:pos x="connsiteX3" y="connsiteY3"/>
+              </a:cxn>
+              <a:cxn ang="0">
+                <a:pos x="connsiteX4" y="connsiteY4"/>
+              </a:cxn>
+              <a:cxn ang="0">
+                <a:pos x="connsiteX5" y="connsiteY5"/>
+              </a:cxn>
+              <a:cxn ang="0">
+                <a:pos x="connsiteX6" y="connsiteY6"/>
+              </a:cxn>
+              <a:cxn ang="0">
+                <a:pos x="connsiteX7" y="connsiteY7"/>
+              </a:cxn>
+              <a:cxn ang="0">
+                <a:pos x="connsiteX8" y="connsiteY8"/>
+              </a:cxn>
+              <a:cxn ang="0">
+                <a:pos x="connsiteX9" y="connsiteY9"/>
+              </a:cxn>
+              <a:cxn ang="0">
+                <a:pos x="connsiteX10" y="connsiteY10"/>
+              </a:cxn>
+              <a:cxn ang="0">
+                <a:pos x="connsiteX11" y="connsiteY11"/>
+              </a:cxn>
+              <a:cxn ang="0">
+                <a:pos x="connsiteX12" y="connsiteY12"/>
+              </a:cxn>
+              <a:cxn ang="0">
+                <a:pos x="connsiteX13" y="connsiteY13"/>
+              </a:cxn>
+              <a:cxn ang="0">
+                <a:pos x="connsiteX14" y="connsiteY14"/>
+              </a:cxn>
+              <a:cxn ang="0">
+                <a:pos x="connsiteX15" y="connsiteY15"/>
+              </a:cxn>
+              <a:cxn ang="0">
+                <a:pos x="connsiteX16" y="connsiteY16"/>
+              </a:cxn>
+              <a:cxn ang="0">
+                <a:pos x="connsiteX17" y="connsiteY17"/>
+              </a:cxn>
+              <a:cxn ang="0">
+                <a:pos x="connsiteX18" y="connsiteY18"/>
+              </a:cxn>
+              <a:cxn ang="0">
+                <a:pos x="connsiteX19" y="connsiteY19"/>
+              </a:cxn>
+              <a:cxn ang="0">
+                <a:pos x="connsiteX20" y="connsiteY20"/>
+              </a:cxn>
+              <a:cxn ang="0">
+                <a:pos x="connsiteX21" y="connsiteY21"/>
+              </a:cxn>
+              <a:cxn ang="0">
+                <a:pos x="connsiteX22" y="connsiteY22"/>
+              </a:cxn>
+              <a:cxn ang="0">
+                <a:pos x="connsiteX23" y="connsiteY23"/>
+              </a:cxn>
+              <a:cxn ang="0">
+                <a:pos x="connsiteX24" y="connsiteY24"/>
+              </a:cxn>
+              <a:cxn ang="0">
+                <a:pos x="connsiteX25" y="connsiteY25"/>
+              </a:cxn>
+              <a:cxn ang="0">
+                <a:pos x="connsiteX26" y="connsiteY26"/>
+              </a:cxn>
+              <a:cxn ang="0">
+                <a:pos x="connsiteX27" y="connsiteY27"/>
+              </a:cxn>
+              <a:cxn ang="0">
+                <a:pos x="connsiteX28" y="connsiteY28"/>
+              </a:cxn>
+              <a:cxn ang="0">
+                <a:pos x="connsiteX29" y="connsiteY29"/>
+              </a:cxn>
+              <a:cxn ang="0">
+                <a:pos x="connsiteX30" y="connsiteY30"/>
+              </a:cxn>
+              <a:cxn ang="0">
+                <a:pos x="connsiteX31" y="connsiteY31"/>
+              </a:cxn>
+              <a:cxn ang="0">
+                <a:pos x="connsiteX32" y="connsiteY32"/>
+              </a:cxn>
+              <a:cxn ang="0">
+                <a:pos x="connsiteX33" y="connsiteY33"/>
+              </a:cxn>
+              <a:cxn ang="0">
+                <a:pos x="connsiteX34" y="connsiteY34"/>
+              </a:cxn>
+              <a:cxn ang="0">
+                <a:pos x="connsiteX35" y="connsiteY35"/>
+              </a:cxn>
+              <a:cxn ang="0">
+                <a:pos x="connsiteX36" y="connsiteY36"/>
+              </a:cxn>
+              <a:cxn ang="0">
+                <a:pos x="connsiteX37" y="connsiteY37"/>
+              </a:cxn>
+              <a:cxn ang="0">
+                <a:pos x="connsiteX38" y="connsiteY38"/>
+              </a:cxn>
+              <a:cxn ang="0">
+                <a:pos x="connsiteX39" y="connsiteY39"/>
+              </a:cxn>
+              <a:cxn ang="0">
+                <a:pos x="connsiteX40" y="connsiteY40"/>
+              </a:cxn>
+              <a:cxn ang="0">
+                <a:pos x="connsiteX41" y="connsiteY41"/>
+              </a:cxn>
+              <a:cxn ang="0">
+                <a:pos x="connsiteX42" y="connsiteY42"/>
+              </a:cxn>
+              <a:cxn ang="0">
+                <a:pos x="connsiteX43" y="connsiteY43"/>
+              </a:cxn>
+              <a:cxn ang="0">
+                <a:pos x="connsiteX44" y="connsiteY44"/>
+              </a:cxn>
+              <a:cxn ang="0">
+                <a:pos x="connsiteX45" y="connsiteY45"/>
+              </a:cxn>
+              <a:cxn ang="0">
+                <a:pos x="connsiteX46" y="connsiteY46"/>
+              </a:cxn>
+              <a:cxn ang="0">
+                <a:pos x="connsiteX47" y="connsiteY47"/>
+              </a:cxn>
+              <a:cxn ang="0">
+                <a:pos x="connsiteX48" y="connsiteY48"/>
+              </a:cxn>
+              <a:cxn ang="0">
+                <a:pos x="connsiteX49" y="connsiteY49"/>
+              </a:cxn>
+              <a:cxn ang="0">
+                <a:pos x="connsiteX50" y="connsiteY50"/>
+              </a:cxn>
+              <a:cxn ang="0">
+                <a:pos x="connsiteX51" y="connsiteY51"/>
+              </a:cxn>
+              <a:cxn ang="0">
+                <a:pos x="connsiteX52" y="connsiteY52"/>
+              </a:cxn>
+            </a:cxnLst>
+            <a:rect l="l" t="t" r="r" b="b"/>
+            <a:pathLst>
+              <a:path w="2160000" h="2160000">
+                <a:moveTo>
+                  <a:pt x="1080000" y="540000"/>
+                </a:moveTo>
+                <a:cubicBezTo>
+                  <a:pt x="781766" y="540000"/>
+                  <a:pt x="540000" y="781766"/>
+                  <a:pt x="540000" y="1080000"/>
+                </a:cubicBezTo>
+                <a:cubicBezTo>
+                  <a:pt x="540000" y="1303676"/>
+                  <a:pt x="675994" y="1495588"/>
+                  <a:pt x="869808" y="1577564"/>
+                </a:cubicBezTo>
+                <a:lnTo>
+                  <a:pt x="969592" y="1608539"/>
+                </a:lnTo>
+                <a:lnTo>
+                  <a:pt x="999532" y="1500369"/>
+                </a:lnTo>
+                <a:lnTo>
+                  <a:pt x="1285622" y="1579554"/>
+                </a:lnTo>
+                <a:lnTo>
+                  <a:pt x="1297818" y="1578324"/>
+                </a:lnTo>
+                <a:cubicBezTo>
+                  <a:pt x="1391016" y="1578324"/>
+                  <a:pt x="1473186" y="1625544"/>
+                  <a:pt x="1521707" y="1697365"/>
+                </a:cubicBezTo>
+                <a:lnTo>
+                  <a:pt x="1535646" y="1723046"/>
+                </a:lnTo>
+                <a:lnTo>
+                  <a:pt x="1624747" y="1747708"/>
+                </a:lnTo>
+                <a:lnTo>
+                  <a:pt x="1623842" y="1738544"/>
+                </a:lnTo>
+                <a:lnTo>
+                  <a:pt x="1626005" y="1716639"/>
+                </a:lnTo>
+                <a:lnTo>
+                  <a:pt x="1620298" y="1716639"/>
+                </a:lnTo>
+                <a:lnTo>
+                  <a:pt x="1620298" y="1090950"/>
+                </a:lnTo>
+                <a:lnTo>
+                  <a:pt x="1618898" y="1090937"/>
+                </a:lnTo>
+                <a:lnTo>
+                  <a:pt x="1620000" y="1080000"/>
+                </a:lnTo>
+                <a:cubicBezTo>
+                  <a:pt x="1620000" y="781766"/>
+                  <a:pt x="1378234" y="540000"/>
+                  <a:pt x="1080000" y="540000"/>
+                </a:cubicBezTo>
+                <a:close/>
+                <a:moveTo>
+                  <a:pt x="1080000" y="0"/>
+                </a:moveTo>
+                <a:cubicBezTo>
+                  <a:pt x="1639189" y="0"/>
+                  <a:pt x="2099117" y="424979"/>
+                  <a:pt x="2154424" y="969576"/>
+                </a:cubicBezTo>
+                <a:lnTo>
+                  <a:pt x="2157027" y="1021127"/>
+                </a:lnTo>
+                <a:lnTo>
+                  <a:pt x="2159999" y="1021127"/>
+                </a:lnTo>
+                <a:lnTo>
+                  <a:pt x="2159999" y="1079980"/>
+                </a:lnTo>
+                <a:lnTo>
+                  <a:pt x="2160000" y="1080000"/>
+                </a:lnTo>
+                <a:lnTo>
+                  <a:pt x="2159999" y="1080021"/>
+                </a:lnTo>
+                <a:lnTo>
+                  <a:pt x="2159999" y="1716639"/>
+                </a:lnTo>
+                <a:lnTo>
+                  <a:pt x="2157838" y="1716639"/>
+                </a:lnTo>
+                <a:lnTo>
+                  <a:pt x="2160000" y="1738544"/>
+                </a:lnTo>
+                <a:cubicBezTo>
+                  <a:pt x="2160000" y="1889753"/>
+                  <a:pt x="2039977" y="2012333"/>
+                  <a:pt x="1891921" y="2012333"/>
+                </a:cubicBezTo>
+                <a:lnTo>
+                  <a:pt x="1852547" y="2008279"/>
+                </a:lnTo>
+                <a:lnTo>
+                  <a:pt x="1851795" y="2010996"/>
+                </a:lnTo>
+                <a:lnTo>
+                  <a:pt x="1554119" y="1928605"/>
+                </a:lnTo>
+                <a:lnTo>
+                  <a:pt x="1541193" y="1965380"/>
+                </a:lnTo>
+                <a:cubicBezTo>
+                  <a:pt x="1524131" y="2000792"/>
+                  <a:pt x="1499567" y="2031908"/>
+                  <a:pt x="1469563" y="2056669"/>
+                </a:cubicBezTo>
+                <a:lnTo>
+                  <a:pt x="1412948" y="2091019"/>
+                </a:lnTo>
+                <a:lnTo>
+                  <a:pt x="1398272" y="2101498"/>
+                </a:lnTo>
+                <a:lnTo>
+                  <a:pt x="1374464" y="2110955"/>
+                </a:lnTo>
+                <a:lnTo>
+                  <a:pt x="1376211" y="2117860"/>
+                </a:lnTo>
+                <a:lnTo>
+                  <a:pt x="1321962" y="2131809"/>
+                </a:lnTo>
+                <a:lnTo>
+                  <a:pt x="1306247" y="2138051"/>
+                </a:lnTo>
+                <a:lnTo>
+                  <a:pt x="1267530" y="2142656"/>
+                </a:lnTo>
+                <a:lnTo>
+                  <a:pt x="1190424" y="2154424"/>
+                </a:lnTo>
+                <a:cubicBezTo>
+                  <a:pt x="1154118" y="2158111"/>
+                  <a:pt x="1117280" y="2160000"/>
+                  <a:pt x="1080000" y="2160000"/>
+                </a:cubicBezTo>
+                <a:cubicBezTo>
+                  <a:pt x="1042721" y="2160000"/>
+                  <a:pt x="1005883" y="2158111"/>
+                  <a:pt x="969576" y="2154424"/>
+                </a:cubicBezTo>
+                <a:lnTo>
+                  <a:pt x="872522" y="2139612"/>
+                </a:lnTo>
+                <a:lnTo>
+                  <a:pt x="872025" y="2141408"/>
+                </a:lnTo>
+                <a:lnTo>
+                  <a:pt x="828292" y="2129303"/>
+                </a:lnTo>
+                <a:lnTo>
+                  <a:pt x="758841" y="2111446"/>
+                </a:lnTo>
+                <a:lnTo>
+                  <a:pt x="743540" y="2105845"/>
+                </a:lnTo>
+                <a:lnTo>
+                  <a:pt x="430701" y="2019257"/>
+                </a:lnTo>
+                <a:lnTo>
+                  <a:pt x="448519" y="1954882"/>
+                </a:lnTo>
+                <a:lnTo>
+                  <a:pt x="393020" y="1913381"/>
+                </a:lnTo>
+                <a:cubicBezTo>
+                  <a:pt x="152993" y="1715293"/>
+                  <a:pt x="0" y="1415513"/>
+                  <a:pt x="0" y="1080000"/>
+                </a:cubicBezTo>
+                <a:cubicBezTo>
+                  <a:pt x="0" y="483532"/>
+                  <a:pt x="483532" y="0"/>
+                  <a:pt x="1080000" y="0"/>
+                </a:cubicBezTo>
+                <a:close/>
+              </a:path>
+            </a:pathLst>
+          </a:custGeom>
+          <a:solidFill>
+            <a:schemeClr val="accent5">
+              <a:lumMod val="75000"/>
+            </a:schemeClr>
+          </a:solidFill>
+          <a:ln>
+            <a:solidFill>
+              <a:schemeClr val="accent5">
+                <a:lumMod val="75000"/>
+              </a:schemeClr>
+            </a:solidFill>
+          </a:ln>
+        </p:spPr>
+        <p:style>
+          <a:lnRef idx="2">
+            <a:schemeClr val="accent1">
+              <a:shade val="50000"/>
+            </a:schemeClr>
+          </a:lnRef>
+          <a:fillRef idx="1">
+            <a:schemeClr val="accent1"/>
+          </a:fillRef>
+          <a:effectRef idx="0">
+            <a:schemeClr val="accent1"/>
+          </a:effectRef>
+          <a:fontRef idx="minor">
+            <a:schemeClr val="lt1"/>
+          </a:fontRef>
+        </p:style>
+        <p:txBody>
+          <a:bodyPr wrap="square" rtlCol="0" anchor="ctr">
+            <a:noAutofit/>
+          </a:bodyPr>
+          <a:lstStyle/>
+          <a:p>
+            <a:pPr algn="ctr"/>
+            <a:endParaRPr lang="en-AU"/>
+          </a:p>
+        </p:txBody>
+      </p:sp>
+      <p:sp>
+        <p:nvSpPr>
+          <p:cNvPr id="71" name="TextBox 70"/>
+          <p:cNvSpPr txBox="1"/>
+          <p:nvPr/>
+        </p:nvSpPr>
+        <p:spPr>
+          <a:xfrm>
+            <a:off x="1117102" y="1483349"/>
+            <a:ext cx="2236190" cy="369332"/>
+          </a:xfrm>
+          <a:prstGeom prst="rect">
+            <a:avLst/>
+          </a:prstGeom>
+          <a:noFill/>
+        </p:spPr>
+        <p:txBody>
+          <a:bodyPr wrap="none" rtlCol="0">
+            <a:spAutoFit/>
+          </a:bodyPr>
+          <a:lstStyle/>
+          <a:p>
+            <a:r>
+              <a:rPr lang="en-AU" dirty="0" smtClean="0"/>
+              <a:t>Phone Icon: ‘#2f5597’</a:t>
+            </a:r>
+          </a:p>
+        </p:txBody>
+      </p:sp>
+      <p:sp>
+        <p:nvSpPr>
+          <p:cNvPr id="72" name="TextBox 71"/>
+          <p:cNvSpPr txBox="1"/>
+          <p:nvPr/>
+        </p:nvSpPr>
+        <p:spPr>
+          <a:xfrm>
+            <a:off x="4339117" y="1483349"/>
+            <a:ext cx="2882392" cy="646331"/>
+          </a:xfrm>
+          <a:prstGeom prst="rect">
+            <a:avLst/>
+          </a:prstGeom>
+          <a:noFill/>
+        </p:spPr>
+        <p:txBody>
+          <a:bodyPr wrap="none" rtlCol="0">
+            <a:spAutoFit/>
+          </a:bodyPr>
+          <a:lstStyle/>
+          <a:p>
+            <a:r>
+              <a:rPr lang="en-AU" dirty="0" smtClean="0"/>
+              <a:t>Trademark Icon ©: ‘#2f5597’</a:t>
+            </a:r>
+          </a:p>
+          <a:p>
+            <a:endParaRPr lang="en-AU" dirty="0" smtClean="0"/>
+          </a:p>
+        </p:txBody>
+      </p:sp>
+      <p:sp>
+        <p:nvSpPr>
+          <p:cNvPr id="75" name="TextBox 74"/>
+          <p:cNvSpPr txBox="1"/>
+          <p:nvPr/>
+        </p:nvSpPr>
+        <p:spPr>
+          <a:xfrm>
+            <a:off x="7616628" y="1483349"/>
+            <a:ext cx="3417602" cy="369332"/>
+          </a:xfrm>
+          <a:prstGeom prst="rect">
+            <a:avLst/>
+          </a:prstGeom>
+          <a:noFill/>
+        </p:spPr>
+        <p:txBody>
+          <a:bodyPr wrap="none" rtlCol="0">
+            <a:spAutoFit/>
+          </a:bodyPr>
+          <a:lstStyle/>
+          <a:p>
+            <a:r>
+              <a:rPr lang="en-AU" dirty="0" smtClean="0"/>
+              <a:t>Dark Theme Icon / Logo: ‘#dae3f3’</a:t>
+            </a:r>
+          </a:p>
+        </p:txBody>
+      </p:sp>
+      <p:sp>
+        <p:nvSpPr>
+          <p:cNvPr id="78" name="Rounded Rectangle 77"/>
+          <p:cNvSpPr/>
+          <p:nvPr/>
+        </p:nvSpPr>
+        <p:spPr>
+          <a:xfrm>
+            <a:off x="1725781" y="5225643"/>
+            <a:ext cx="859175" cy="811796"/>
+          </a:xfrm>
+          <a:prstGeom prst="roundRect">
+            <a:avLst>
+              <a:gd name="adj" fmla="val 27173"/>
+            </a:avLst>
+          </a:prstGeom>
+          <a:solidFill>
+            <a:schemeClr val="accent2">
+              <a:lumMod val="20000"/>
+              <a:lumOff val="80000"/>
+            </a:schemeClr>
+          </a:solidFill>
+          <a:ln>
+            <a:noFill/>
+          </a:ln>
+        </p:spPr>
+        <p:style>
+          <a:lnRef idx="2">
+            <a:schemeClr val="accent1">
+              <a:shade val="50000"/>
+            </a:schemeClr>
+          </a:lnRef>
+          <a:fillRef idx="1">
+            <a:schemeClr val="accent1"/>
+          </a:fillRef>
+          <a:effectRef idx="0">
+            <a:schemeClr val="accent1"/>
+          </a:effectRef>
+          <a:fontRef idx="minor">
+            <a:schemeClr val="lt1"/>
+          </a:fontRef>
+        </p:style>
+        <p:txBody>
+          <a:bodyPr rtlCol="0" anchor="ctr"/>
+          <a:lstStyle/>
+          <a:p>
+            <a:pPr algn="ctr"/>
+            <a:endParaRPr lang="en-AU"/>
+          </a:p>
+        </p:txBody>
+      </p:sp>
+      <p:sp>
+        <p:nvSpPr>
+          <p:cNvPr id="79" name="Freeform 78"/>
+          <p:cNvSpPr/>
+          <p:nvPr/>
+        </p:nvSpPr>
+        <p:spPr>
+          <a:xfrm>
+            <a:off x="1842531" y="5318704"/>
+            <a:ext cx="625675" cy="625675"/>
           </a:xfrm>
           <a:custGeom>
             <a:avLst/>
@@ -3525,14 +4274,14 @@
       </p:sp>
       <p:sp>
         <p:nvSpPr>
-          <p:cNvPr id="70" name="Freeform 69"/>
+          <p:cNvPr id="81" name="Freeform 80"/>
           <p:cNvSpPr/>
           <p:nvPr/>
         </p:nvSpPr>
         <p:spPr>
           <a:xfrm>
-            <a:off x="4700313" y="2258283"/>
-            <a:ext cx="2160000" cy="2160000"/>
+            <a:off x="637540" y="5326609"/>
+            <a:ext cx="625675" cy="625675"/>
           </a:xfrm>
           <a:custGeom>
             <a:avLst/>
@@ -3932,80 +4681,14 @@
       </p:sp>
       <p:sp>
         <p:nvSpPr>
-          <p:cNvPr id="71" name="TextBox 70"/>
-          <p:cNvSpPr txBox="1"/>
-          <p:nvPr/>
-        </p:nvSpPr>
-        <p:spPr>
-          <a:xfrm>
-            <a:off x="1117102" y="1483349"/>
-            <a:ext cx="2236190" cy="369332"/>
-          </a:xfrm>
-          <a:prstGeom prst="rect">
-            <a:avLst/>
-          </a:prstGeom>
-          <a:noFill/>
-        </p:spPr>
-        <p:txBody>
-          <a:bodyPr wrap="none" rtlCol="0">
-            <a:spAutoFit/>
-          </a:bodyPr>
-          <a:lstStyle/>
-          <a:p>
-            <a:r>
-              <a:rPr lang="en-AU" dirty="0" smtClean="0"/>
-              <a:t>Phone Icon: ‘#2f5597’</a:t>
-            </a:r>
-          </a:p>
-        </p:txBody>
-      </p:sp>
-      <p:sp>
-        <p:nvSpPr>
-          <p:cNvPr id="72" name="TextBox 71"/>
-          <p:cNvSpPr txBox="1"/>
-          <p:nvPr/>
-        </p:nvSpPr>
-        <p:spPr>
-          <a:xfrm>
-            <a:off x="4339117" y="1483349"/>
-            <a:ext cx="2882392" cy="646331"/>
-          </a:xfrm>
-          <a:prstGeom prst="rect">
-            <a:avLst/>
-          </a:prstGeom>
-          <a:noFill/>
-        </p:spPr>
-        <p:txBody>
-          <a:bodyPr wrap="none" rtlCol="0">
-            <a:spAutoFit/>
-          </a:bodyPr>
-          <a:lstStyle/>
-          <a:p>
-            <a:r>
-              <a:rPr lang="en-AU" dirty="0" smtClean="0"/>
-              <a:t>Trademark Icon ©: ‘#2f5597</a:t>
-            </a:r>
-            <a:r>
-              <a:rPr lang="en-AU" dirty="0" smtClean="0"/>
-              <a:t>’</a:t>
-            </a:r>
-            <a:endParaRPr lang="en-AU" dirty="0" smtClean="0"/>
-          </a:p>
-          <a:p>
-            <a:endParaRPr lang="en-AU" dirty="0" smtClean="0"/>
-          </a:p>
-        </p:txBody>
-      </p:sp>
-      <p:sp>
-        <p:nvSpPr>
-          <p:cNvPr id="73" name="Rounded Rectangle 72"/>
+          <p:cNvPr id="82" name="Rounded Rectangle 81"/>
           <p:cNvSpPr/>
           <p:nvPr/>
         </p:nvSpPr>
         <p:spPr>
           <a:xfrm>
-            <a:off x="7842377" y="1937017"/>
-            <a:ext cx="2966105" cy="2802533"/>
+            <a:off x="8985698" y="5261929"/>
+            <a:ext cx="781068" cy="811795"/>
           </a:xfrm>
           <a:prstGeom prst="roundRect">
             <a:avLst>
@@ -4048,14 +4731,14 @@
       </p:sp>
       <p:sp>
         <p:nvSpPr>
-          <p:cNvPr id="74" name="Freeform 73"/>
+          <p:cNvPr id="83" name="Freeform 82"/>
           <p:cNvSpPr/>
           <p:nvPr/>
         </p:nvSpPr>
         <p:spPr>
           <a:xfrm>
-            <a:off x="8245429" y="2258283"/>
-            <a:ext cx="2160000" cy="2160000"/>
+            <a:off x="9091835" y="5354989"/>
+            <a:ext cx="568795" cy="625675"/>
           </a:xfrm>
           <a:custGeom>
             <a:avLst/>
@@ -4456,14 +5139,14 @@
       </p:sp>
       <p:sp>
         <p:nvSpPr>
-          <p:cNvPr id="75" name="TextBox 74"/>
+          <p:cNvPr id="17" name="TextBox 16"/>
           <p:cNvSpPr txBox="1"/>
           <p:nvPr/>
         </p:nvSpPr>
         <p:spPr>
           <a:xfrm>
-            <a:off x="7616628" y="1483349"/>
-            <a:ext cx="3417602" cy="369332"/>
+            <a:off x="6366687" y="403538"/>
+            <a:ext cx="4627421" cy="461665"/>
           </a:xfrm>
           <a:prstGeom prst="rect">
             <a:avLst/>
@@ -4477,73 +5160,38 @@
           <a:lstStyle/>
           <a:p>
             <a:r>
+              <a:rPr lang="en-AU" sz="2400" b="1" dirty="0" smtClean="0"/>
+              <a:t>Catchline: </a:t>
+            </a:r>
+            <a:r>
+              <a:rPr lang="en-AU" dirty="0"/>
+              <a:t> </a:t>
+            </a:r>
+            <a:r>
               <a:rPr lang="en-AU" dirty="0" smtClean="0"/>
-              <a:t>Dark Theme Icon / Logo: ‘#dae3f3’</a:t>
-            </a:r>
-          </a:p>
-        </p:txBody>
-      </p:sp>
-      <p:sp>
-        <p:nvSpPr>
-          <p:cNvPr id="78" name="Rounded Rectangle 77"/>
+              <a:t>     grade </a:t>
+            </a:r>
+            <a:r>
+              <a:rPr lang="en-AU" dirty="0"/>
+              <a:t>education in your </a:t>
+            </a:r>
+            <a:r>
+              <a:rPr lang="en-AU" dirty="0" smtClean="0"/>
+              <a:t>grip!</a:t>
+            </a:r>
+          </a:p>
+        </p:txBody>
+      </p:sp>
+      <p:sp>
+        <p:nvSpPr>
+          <p:cNvPr id="18" name="Freeform 17"/>
           <p:cNvSpPr/>
           <p:nvPr/>
         </p:nvSpPr>
         <p:spPr>
           <a:xfrm>
-            <a:off x="1725781" y="5225643"/>
-            <a:ext cx="859175" cy="811796"/>
-          </a:xfrm>
-          <a:prstGeom prst="roundRect">
-            <a:avLst>
-              <a:gd name="adj" fmla="val 27173"/>
-            </a:avLst>
-          </a:prstGeom>
-          <a:solidFill>
-            <a:schemeClr val="accent2">
-              <a:lumMod val="20000"/>
-              <a:lumOff val="80000"/>
-            </a:schemeClr>
-          </a:solidFill>
-          <a:ln>
-            <a:noFill/>
-          </a:ln>
-        </p:spPr>
-        <p:style>
-          <a:lnRef idx="2">
-            <a:schemeClr val="accent1">
-              <a:shade val="50000"/>
-            </a:schemeClr>
-          </a:lnRef>
-          <a:fillRef idx="1">
-            <a:schemeClr val="accent1"/>
-          </a:fillRef>
-          <a:effectRef idx="0">
-            <a:schemeClr val="accent1"/>
-          </a:effectRef>
-          <a:fontRef idx="minor">
-            <a:schemeClr val="lt1"/>
-          </a:fontRef>
-        </p:style>
-        <p:txBody>
-          <a:bodyPr rtlCol="0" anchor="ctr"/>
-          <a:lstStyle/>
-          <a:p>
-            <a:pPr algn="ctr"/>
-            <a:endParaRPr lang="en-AU"/>
-          </a:p>
-        </p:txBody>
-      </p:sp>
-      <p:sp>
-        <p:nvSpPr>
-          <p:cNvPr id="79" name="Freeform 78"/>
-          <p:cNvSpPr/>
-          <p:nvPr/>
-        </p:nvSpPr>
-        <p:spPr>
-          <a:xfrm>
-            <a:off x="1842531" y="5318704"/>
-            <a:ext cx="625675" cy="625675"/>
+            <a:off x="7762522" y="495736"/>
+            <a:ext cx="265348" cy="291882"/>
           </a:xfrm>
           <a:custGeom>
             <a:avLst/>
@@ -4943,14 +5591,501 @@
       </p:sp>
       <p:sp>
         <p:nvSpPr>
-          <p:cNvPr id="81" name="Freeform 80"/>
+          <p:cNvPr id="21" name="Freeform 20"/>
           <p:cNvSpPr/>
           <p:nvPr/>
         </p:nvSpPr>
         <p:spPr>
           <a:xfrm>
-            <a:off x="5492875" y="5325962"/>
-            <a:ext cx="625675" cy="625675"/>
+            <a:off x="8296231" y="2265541"/>
+            <a:ext cx="2160000" cy="2160000"/>
+          </a:xfrm>
+          <a:custGeom>
+            <a:avLst/>
+            <a:gdLst>
+              <a:gd name="connsiteX0" fmla="*/ 2160000 w 2160000"/>
+              <a:gd name="connsiteY0" fmla="*/ 1080000 h 2160000"/>
+              <a:gd name="connsiteX1" fmla="*/ 2160000 w 2160000"/>
+              <a:gd name="connsiteY1" fmla="*/ 1738544 h 2160000"/>
+              <a:gd name="connsiteX2" fmla="*/ 2157838 w 2160000"/>
+              <a:gd name="connsiteY2" fmla="*/ 1716639 h 2160000"/>
+              <a:gd name="connsiteX3" fmla="*/ 2159999 w 2160000"/>
+              <a:gd name="connsiteY3" fmla="*/ 1716639 h 2160000"/>
+              <a:gd name="connsiteX4" fmla="*/ 2159999 w 2160000"/>
+              <a:gd name="connsiteY4" fmla="*/ 1080021 h 2160000"/>
+              <a:gd name="connsiteX5" fmla="*/ 0 w 2160000"/>
+              <a:gd name="connsiteY5" fmla="*/ 1080000 h 2160000"/>
+              <a:gd name="connsiteX6" fmla="*/ 1080000 w 2160000"/>
+              <a:gd name="connsiteY6" fmla="*/ 2160000 h 2160000"/>
+              <a:gd name="connsiteX7" fmla="*/ 0 w 2160000"/>
+              <a:gd name="connsiteY7" fmla="*/ 2160000 h 2160000"/>
+              <a:gd name="connsiteX8" fmla="*/ 1080000 w 2160000"/>
+              <a:gd name="connsiteY8" fmla="*/ 540000 h 2160000"/>
+              <a:gd name="connsiteX9" fmla="*/ 1620000 w 2160000"/>
+              <a:gd name="connsiteY9" fmla="*/ 1080000 h 2160000"/>
+              <a:gd name="connsiteX10" fmla="*/ 1618898 w 2160000"/>
+              <a:gd name="connsiteY10" fmla="*/ 1090937 h 2160000"/>
+              <a:gd name="connsiteX11" fmla="*/ 1620298 w 2160000"/>
+              <a:gd name="connsiteY11" fmla="*/ 1090950 h 2160000"/>
+              <a:gd name="connsiteX12" fmla="*/ 1620298 w 2160000"/>
+              <a:gd name="connsiteY12" fmla="*/ 1716639 h 2160000"/>
+              <a:gd name="connsiteX13" fmla="*/ 1626005 w 2160000"/>
+              <a:gd name="connsiteY13" fmla="*/ 1716639 h 2160000"/>
+              <a:gd name="connsiteX14" fmla="*/ 1623842 w 2160000"/>
+              <a:gd name="connsiteY14" fmla="*/ 1738544 h 2160000"/>
+              <a:gd name="connsiteX15" fmla="*/ 1891921 w 2160000"/>
+              <a:gd name="connsiteY15" fmla="*/ 2012333 h 2160000"/>
+              <a:gd name="connsiteX16" fmla="*/ 2160000 w 2160000"/>
+              <a:gd name="connsiteY16" fmla="*/ 1738544 h 2160000"/>
+              <a:gd name="connsiteX17" fmla="*/ 2160000 w 2160000"/>
+              <a:gd name="connsiteY17" fmla="*/ 2160000 h 2160000"/>
+              <a:gd name="connsiteX18" fmla="*/ 1080000 w 2160000"/>
+              <a:gd name="connsiteY18" fmla="*/ 2160000 h 2160000"/>
+              <a:gd name="connsiteX19" fmla="*/ 1190424 w 2160000"/>
+              <a:gd name="connsiteY19" fmla="*/ 2154424 h 2160000"/>
+              <a:gd name="connsiteX20" fmla="*/ 1267530 w 2160000"/>
+              <a:gd name="connsiteY20" fmla="*/ 2142656 h 2160000"/>
+              <a:gd name="connsiteX21" fmla="*/ 1306247 w 2160000"/>
+              <a:gd name="connsiteY21" fmla="*/ 2138051 h 2160000"/>
+              <a:gd name="connsiteX22" fmla="*/ 1321962 w 2160000"/>
+              <a:gd name="connsiteY22" fmla="*/ 2131809 h 2160000"/>
+              <a:gd name="connsiteX23" fmla="*/ 1376211 w 2160000"/>
+              <a:gd name="connsiteY23" fmla="*/ 2117860 h 2160000"/>
+              <a:gd name="connsiteX24" fmla="*/ 1374464 w 2160000"/>
+              <a:gd name="connsiteY24" fmla="*/ 2110955 h 2160000"/>
+              <a:gd name="connsiteX25" fmla="*/ 1398272 w 2160000"/>
+              <a:gd name="connsiteY25" fmla="*/ 2101498 h 2160000"/>
+              <a:gd name="connsiteX26" fmla="*/ 1412948 w 2160000"/>
+              <a:gd name="connsiteY26" fmla="*/ 2091019 h 2160000"/>
+              <a:gd name="connsiteX27" fmla="*/ 1469563 w 2160000"/>
+              <a:gd name="connsiteY27" fmla="*/ 2056669 h 2160000"/>
+              <a:gd name="connsiteX28" fmla="*/ 1567818 w 2160000"/>
+              <a:gd name="connsiteY28" fmla="*/ 1848324 h 2160000"/>
+              <a:gd name="connsiteX29" fmla="*/ 1297818 w 2160000"/>
+              <a:gd name="connsiteY29" fmla="*/ 1578324 h 2160000"/>
+              <a:gd name="connsiteX30" fmla="*/ 1277433 w 2160000"/>
+              <a:gd name="connsiteY30" fmla="*/ 1580379 h 2160000"/>
+              <a:gd name="connsiteX31" fmla="*/ 1273176 w 2160000"/>
+              <a:gd name="connsiteY31" fmla="*/ 1581875 h 2160000"/>
+              <a:gd name="connsiteX32" fmla="*/ 1218649 w 2160000"/>
+              <a:gd name="connsiteY32" fmla="*/ 1594482 h 2160000"/>
+              <a:gd name="connsiteX33" fmla="*/ 1205334 w 2160000"/>
+              <a:gd name="connsiteY33" fmla="*/ 1595627 h 2160000"/>
+              <a:gd name="connsiteX34" fmla="*/ 1192722 w 2160000"/>
+              <a:gd name="connsiteY34" fmla="*/ 1599542 h 2160000"/>
+              <a:gd name="connsiteX35" fmla="*/ 1172144 w 2160000"/>
+              <a:gd name="connsiteY35" fmla="*/ 1610711 h 2160000"/>
+              <a:gd name="connsiteX36" fmla="*/ 1080000 w 2160000"/>
+              <a:gd name="connsiteY36" fmla="*/ 1620000 h 2160000"/>
+              <a:gd name="connsiteX37" fmla="*/ 540000 w 2160000"/>
+              <a:gd name="connsiteY37" fmla="*/ 1080000 h 2160000"/>
+              <a:gd name="connsiteX38" fmla="*/ 1080000 w 2160000"/>
+              <a:gd name="connsiteY38" fmla="*/ 540000 h 2160000"/>
+              <a:gd name="connsiteX39" fmla="*/ 1080000 w 2160000"/>
+              <a:gd name="connsiteY39" fmla="*/ 0 h 2160000"/>
+              <a:gd name="connsiteX40" fmla="*/ 2160000 w 2160000"/>
+              <a:gd name="connsiteY40" fmla="*/ 0 h 2160000"/>
+              <a:gd name="connsiteX41" fmla="*/ 2160000 w 2160000"/>
+              <a:gd name="connsiteY41" fmla="*/ 1080000 h 2160000"/>
+              <a:gd name="connsiteX42" fmla="*/ 2159999 w 2160000"/>
+              <a:gd name="connsiteY42" fmla="*/ 1079980 h 2160000"/>
+              <a:gd name="connsiteX43" fmla="*/ 2159999 w 2160000"/>
+              <a:gd name="connsiteY43" fmla="*/ 1021127 h 2160000"/>
+              <a:gd name="connsiteX44" fmla="*/ 2157027 w 2160000"/>
+              <a:gd name="connsiteY44" fmla="*/ 1021127 h 2160000"/>
+              <a:gd name="connsiteX45" fmla="*/ 2154424 w 2160000"/>
+              <a:gd name="connsiteY45" fmla="*/ 969576 h 2160000"/>
+              <a:gd name="connsiteX46" fmla="*/ 1080000 w 2160000"/>
+              <a:gd name="connsiteY46" fmla="*/ 0 h 2160000"/>
+              <a:gd name="connsiteX47" fmla="*/ 0 w 2160000"/>
+              <a:gd name="connsiteY47" fmla="*/ 0 h 2160000"/>
+              <a:gd name="connsiteX48" fmla="*/ 1080000 w 2160000"/>
+              <a:gd name="connsiteY48" fmla="*/ 0 h 2160000"/>
+              <a:gd name="connsiteX49" fmla="*/ 0 w 2160000"/>
+              <a:gd name="connsiteY49" fmla="*/ 1080000 h 2160000"/>
+            </a:gdLst>
+            <a:ahLst/>
+            <a:cxnLst>
+              <a:cxn ang="0">
+                <a:pos x="connsiteX0" y="connsiteY0"/>
+              </a:cxn>
+              <a:cxn ang="0">
+                <a:pos x="connsiteX1" y="connsiteY1"/>
+              </a:cxn>
+              <a:cxn ang="0">
+                <a:pos x="connsiteX2" y="connsiteY2"/>
+              </a:cxn>
+              <a:cxn ang="0">
+                <a:pos x="connsiteX3" y="connsiteY3"/>
+              </a:cxn>
+              <a:cxn ang="0">
+                <a:pos x="connsiteX4" y="connsiteY4"/>
+              </a:cxn>
+              <a:cxn ang="0">
+                <a:pos x="connsiteX5" y="connsiteY5"/>
+              </a:cxn>
+              <a:cxn ang="0">
+                <a:pos x="connsiteX6" y="connsiteY6"/>
+              </a:cxn>
+              <a:cxn ang="0">
+                <a:pos x="connsiteX7" y="connsiteY7"/>
+              </a:cxn>
+              <a:cxn ang="0">
+                <a:pos x="connsiteX8" y="connsiteY8"/>
+              </a:cxn>
+              <a:cxn ang="0">
+                <a:pos x="connsiteX9" y="connsiteY9"/>
+              </a:cxn>
+              <a:cxn ang="0">
+                <a:pos x="connsiteX10" y="connsiteY10"/>
+              </a:cxn>
+              <a:cxn ang="0">
+                <a:pos x="connsiteX11" y="connsiteY11"/>
+              </a:cxn>
+              <a:cxn ang="0">
+                <a:pos x="connsiteX12" y="connsiteY12"/>
+              </a:cxn>
+              <a:cxn ang="0">
+                <a:pos x="connsiteX13" y="connsiteY13"/>
+              </a:cxn>
+              <a:cxn ang="0">
+                <a:pos x="connsiteX14" y="connsiteY14"/>
+              </a:cxn>
+              <a:cxn ang="0">
+                <a:pos x="connsiteX15" y="connsiteY15"/>
+              </a:cxn>
+              <a:cxn ang="0">
+                <a:pos x="connsiteX16" y="connsiteY16"/>
+              </a:cxn>
+              <a:cxn ang="0">
+                <a:pos x="connsiteX17" y="connsiteY17"/>
+              </a:cxn>
+              <a:cxn ang="0">
+                <a:pos x="connsiteX18" y="connsiteY18"/>
+              </a:cxn>
+              <a:cxn ang="0">
+                <a:pos x="connsiteX19" y="connsiteY19"/>
+              </a:cxn>
+              <a:cxn ang="0">
+                <a:pos x="connsiteX20" y="connsiteY20"/>
+              </a:cxn>
+              <a:cxn ang="0">
+                <a:pos x="connsiteX21" y="connsiteY21"/>
+              </a:cxn>
+              <a:cxn ang="0">
+                <a:pos x="connsiteX22" y="connsiteY22"/>
+              </a:cxn>
+              <a:cxn ang="0">
+                <a:pos x="connsiteX23" y="connsiteY23"/>
+              </a:cxn>
+              <a:cxn ang="0">
+                <a:pos x="connsiteX24" y="connsiteY24"/>
+              </a:cxn>
+              <a:cxn ang="0">
+                <a:pos x="connsiteX25" y="connsiteY25"/>
+              </a:cxn>
+              <a:cxn ang="0">
+                <a:pos x="connsiteX26" y="connsiteY26"/>
+              </a:cxn>
+              <a:cxn ang="0">
+                <a:pos x="connsiteX27" y="connsiteY27"/>
+              </a:cxn>
+              <a:cxn ang="0">
+                <a:pos x="connsiteX28" y="connsiteY28"/>
+              </a:cxn>
+              <a:cxn ang="0">
+                <a:pos x="connsiteX29" y="connsiteY29"/>
+              </a:cxn>
+              <a:cxn ang="0">
+                <a:pos x="connsiteX30" y="connsiteY30"/>
+              </a:cxn>
+              <a:cxn ang="0">
+                <a:pos x="connsiteX31" y="connsiteY31"/>
+              </a:cxn>
+              <a:cxn ang="0">
+                <a:pos x="connsiteX32" y="connsiteY32"/>
+              </a:cxn>
+              <a:cxn ang="0">
+                <a:pos x="connsiteX33" y="connsiteY33"/>
+              </a:cxn>
+              <a:cxn ang="0">
+                <a:pos x="connsiteX34" y="connsiteY34"/>
+              </a:cxn>
+              <a:cxn ang="0">
+                <a:pos x="connsiteX35" y="connsiteY35"/>
+              </a:cxn>
+              <a:cxn ang="0">
+                <a:pos x="connsiteX36" y="connsiteY36"/>
+              </a:cxn>
+              <a:cxn ang="0">
+                <a:pos x="connsiteX37" y="connsiteY37"/>
+              </a:cxn>
+              <a:cxn ang="0">
+                <a:pos x="connsiteX38" y="connsiteY38"/>
+              </a:cxn>
+              <a:cxn ang="0">
+                <a:pos x="connsiteX39" y="connsiteY39"/>
+              </a:cxn>
+              <a:cxn ang="0">
+                <a:pos x="connsiteX40" y="connsiteY40"/>
+              </a:cxn>
+              <a:cxn ang="0">
+                <a:pos x="connsiteX41" y="connsiteY41"/>
+              </a:cxn>
+              <a:cxn ang="0">
+                <a:pos x="connsiteX42" y="connsiteY42"/>
+              </a:cxn>
+              <a:cxn ang="0">
+                <a:pos x="connsiteX43" y="connsiteY43"/>
+              </a:cxn>
+              <a:cxn ang="0">
+                <a:pos x="connsiteX44" y="connsiteY44"/>
+              </a:cxn>
+              <a:cxn ang="0">
+                <a:pos x="connsiteX45" y="connsiteY45"/>
+              </a:cxn>
+              <a:cxn ang="0">
+                <a:pos x="connsiteX46" y="connsiteY46"/>
+              </a:cxn>
+              <a:cxn ang="0">
+                <a:pos x="connsiteX47" y="connsiteY47"/>
+              </a:cxn>
+              <a:cxn ang="0">
+                <a:pos x="connsiteX48" y="connsiteY48"/>
+              </a:cxn>
+              <a:cxn ang="0">
+                <a:pos x="connsiteX49" y="connsiteY49"/>
+              </a:cxn>
+            </a:cxnLst>
+            <a:rect l="l" t="t" r="r" b="b"/>
+            <a:pathLst>
+              <a:path w="2160000" h="2160000">
+                <a:moveTo>
+                  <a:pt x="2160000" y="1080000"/>
+                </a:moveTo>
+                <a:lnTo>
+                  <a:pt x="2160000" y="1738544"/>
+                </a:lnTo>
+                <a:lnTo>
+                  <a:pt x="2157838" y="1716639"/>
+                </a:lnTo>
+                <a:lnTo>
+                  <a:pt x="2159999" y="1716639"/>
+                </a:lnTo>
+                <a:lnTo>
+                  <a:pt x="2159999" y="1080021"/>
+                </a:lnTo>
+                <a:close/>
+                <a:moveTo>
+                  <a:pt x="0" y="1080000"/>
+                </a:moveTo>
+                <a:cubicBezTo>
+                  <a:pt x="0" y="1676468"/>
+                  <a:pt x="483532" y="2160000"/>
+                  <a:pt x="1080000" y="2160000"/>
+                </a:cubicBezTo>
+                <a:lnTo>
+                  <a:pt x="0" y="2160000"/>
+                </a:lnTo>
+                <a:close/>
+                <a:moveTo>
+                  <a:pt x="1080000" y="540000"/>
+                </a:moveTo>
+                <a:cubicBezTo>
+                  <a:pt x="1378234" y="540000"/>
+                  <a:pt x="1620000" y="781766"/>
+                  <a:pt x="1620000" y="1080000"/>
+                </a:cubicBezTo>
+                <a:lnTo>
+                  <a:pt x="1618898" y="1090937"/>
+                </a:lnTo>
+                <a:lnTo>
+                  <a:pt x="1620298" y="1090950"/>
+                </a:lnTo>
+                <a:lnTo>
+                  <a:pt x="1620298" y="1716639"/>
+                </a:lnTo>
+                <a:lnTo>
+                  <a:pt x="1626005" y="1716639"/>
+                </a:lnTo>
+                <a:lnTo>
+                  <a:pt x="1623842" y="1738544"/>
+                </a:lnTo>
+                <a:cubicBezTo>
+                  <a:pt x="1623842" y="1889753"/>
+                  <a:pt x="1743865" y="2012333"/>
+                  <a:pt x="1891921" y="2012333"/>
+                </a:cubicBezTo>
+                <a:cubicBezTo>
+                  <a:pt x="2039977" y="2012333"/>
+                  <a:pt x="2160000" y="1889753"/>
+                  <a:pt x="2160000" y="1738544"/>
+                </a:cubicBezTo>
+                <a:lnTo>
+                  <a:pt x="2160000" y="2160000"/>
+                </a:lnTo>
+                <a:lnTo>
+                  <a:pt x="1080000" y="2160000"/>
+                </a:lnTo>
+                <a:cubicBezTo>
+                  <a:pt x="1117280" y="2160000"/>
+                  <a:pt x="1154118" y="2158111"/>
+                  <a:pt x="1190424" y="2154424"/>
+                </a:cubicBezTo>
+                <a:lnTo>
+                  <a:pt x="1267530" y="2142656"/>
+                </a:lnTo>
+                <a:lnTo>
+                  <a:pt x="1306247" y="2138051"/>
+                </a:lnTo>
+                <a:lnTo>
+                  <a:pt x="1321962" y="2131809"/>
+                </a:lnTo>
+                <a:lnTo>
+                  <a:pt x="1376211" y="2117860"/>
+                </a:lnTo>
+                <a:lnTo>
+                  <a:pt x="1374464" y="2110955"/>
+                </a:lnTo>
+                <a:lnTo>
+                  <a:pt x="1398272" y="2101498"/>
+                </a:lnTo>
+                <a:lnTo>
+                  <a:pt x="1412948" y="2091019"/>
+                </a:lnTo>
+                <a:lnTo>
+                  <a:pt x="1469563" y="2056669"/>
+                </a:lnTo>
+                <a:cubicBezTo>
+                  <a:pt x="1529570" y="2007147"/>
+                  <a:pt x="1567818" y="1932202"/>
+                  <a:pt x="1567818" y="1848324"/>
+                </a:cubicBezTo>
+                <a:cubicBezTo>
+                  <a:pt x="1567818" y="1699207"/>
+                  <a:pt x="1446935" y="1578324"/>
+                  <a:pt x="1297818" y="1578324"/>
+                </a:cubicBezTo>
+                <a:lnTo>
+                  <a:pt x="1277433" y="1580379"/>
+                </a:lnTo>
+                <a:lnTo>
+                  <a:pt x="1273176" y="1581875"/>
+                </a:lnTo>
+                <a:cubicBezTo>
+                  <a:pt x="1256099" y="1586790"/>
+                  <a:pt x="1237851" y="1591023"/>
+                  <a:pt x="1218649" y="1594482"/>
+                </a:cubicBezTo>
+                <a:lnTo>
+                  <a:pt x="1205334" y="1595627"/>
+                </a:lnTo>
+                <a:lnTo>
+                  <a:pt x="1192722" y="1599542"/>
+                </a:lnTo>
+                <a:lnTo>
+                  <a:pt x="1172144" y="1610711"/>
+                </a:lnTo>
+                <a:lnTo>
+                  <a:pt x="1080000" y="1620000"/>
+                </a:lnTo>
+                <a:cubicBezTo>
+                  <a:pt x="781766" y="1620000"/>
+                  <a:pt x="540000" y="1378234"/>
+                  <a:pt x="540000" y="1080000"/>
+                </a:cubicBezTo>
+                <a:cubicBezTo>
+                  <a:pt x="540000" y="781766"/>
+                  <a:pt x="781766" y="540000"/>
+                  <a:pt x="1080000" y="540000"/>
+                </a:cubicBezTo>
+                <a:close/>
+                <a:moveTo>
+                  <a:pt x="1080000" y="0"/>
+                </a:moveTo>
+                <a:lnTo>
+                  <a:pt x="2160000" y="0"/>
+                </a:lnTo>
+                <a:lnTo>
+                  <a:pt x="2160000" y="1080000"/>
+                </a:lnTo>
+                <a:lnTo>
+                  <a:pt x="2159999" y="1079980"/>
+                </a:lnTo>
+                <a:lnTo>
+                  <a:pt x="2159999" y="1021127"/>
+                </a:lnTo>
+                <a:lnTo>
+                  <a:pt x="2157027" y="1021127"/>
+                </a:lnTo>
+                <a:lnTo>
+                  <a:pt x="2154424" y="969576"/>
+                </a:lnTo>
+                <a:cubicBezTo>
+                  <a:pt x="2099117" y="424979"/>
+                  <a:pt x="1639189" y="0"/>
+                  <a:pt x="1080000" y="0"/>
+                </a:cubicBezTo>
+                <a:close/>
+                <a:moveTo>
+                  <a:pt x="0" y="0"/>
+                </a:moveTo>
+                <a:lnTo>
+                  <a:pt x="1080000" y="0"/>
+                </a:lnTo>
+                <a:cubicBezTo>
+                  <a:pt x="483532" y="0"/>
+                  <a:pt x="0" y="483532"/>
+                  <a:pt x="0" y="1080000"/>
+                </a:cubicBezTo>
+                <a:close/>
+              </a:path>
+            </a:pathLst>
+          </a:custGeom>
+          <a:solidFill>
+            <a:srgbClr val="F7F7F7"/>
+          </a:solidFill>
+          <a:ln>
+            <a:solidFill>
+              <a:srgbClr val="F7F7F7"/>
+            </a:solidFill>
+          </a:ln>
+        </p:spPr>
+        <p:style>
+          <a:lnRef idx="2">
+            <a:schemeClr val="accent1">
+              <a:shade val="50000"/>
+            </a:schemeClr>
+          </a:lnRef>
+          <a:fillRef idx="1">
+            <a:schemeClr val="accent1"/>
+          </a:fillRef>
+          <a:effectRef idx="0">
+            <a:schemeClr val="accent1"/>
+          </a:effectRef>
+          <a:fontRef idx="minor">
+            <a:schemeClr val="lt1"/>
+          </a:fontRef>
+        </p:style>
+        <p:txBody>
+          <a:bodyPr rtlCol="0" anchor="ctr"/>
+          <a:lstStyle/>
+          <a:p>
+            <a:pPr algn="ctr"/>
+            <a:endParaRPr lang="en-AU"/>
+          </a:p>
+        </p:txBody>
+      </p:sp>
+      <p:sp>
+        <p:nvSpPr>
+          <p:cNvPr id="74" name="Freeform 73"/>
+          <p:cNvSpPr/>
+          <p:nvPr/>
+        </p:nvSpPr>
+        <p:spPr>
+          <a:xfrm>
+            <a:off x="4802226" y="2696310"/>
+            <a:ext cx="2160000" cy="2160000"/>
           </a:xfrm>
           <a:custGeom>
             <a:avLst/>
@@ -5311,15 +6446,11 @@
             </a:pathLst>
           </a:custGeom>
           <a:solidFill>
-            <a:schemeClr val="accent5">
-              <a:lumMod val="75000"/>
-            </a:schemeClr>
+            <a:schemeClr val="bg1"/>
           </a:solidFill>
           <a:ln>
             <a:solidFill>
-              <a:schemeClr val="accent5">
-                <a:lumMod val="75000"/>
-              </a:schemeClr>
+              <a:schemeClr val="bg1"/>
             </a:solidFill>
           </a:ln>
         </p:spPr>
@@ -5350,64 +6481,14 @@
       </p:sp>
       <p:sp>
         <p:nvSpPr>
-          <p:cNvPr id="82" name="Rounded Rectangle 81"/>
+          <p:cNvPr id="38" name="Freeform 37"/>
           <p:cNvSpPr/>
           <p:nvPr/>
         </p:nvSpPr>
         <p:spPr>
           <a:xfrm>
-            <a:off x="8985698" y="5261929"/>
-            <a:ext cx="781068" cy="811795"/>
-          </a:xfrm>
-          <a:prstGeom prst="roundRect">
-            <a:avLst>
-              <a:gd name="adj" fmla="val 27173"/>
-            </a:avLst>
-          </a:prstGeom>
-          <a:solidFill>
-            <a:schemeClr val="accent5">
-              <a:lumMod val="50000"/>
-            </a:schemeClr>
-          </a:solidFill>
-          <a:ln>
-            <a:noFill/>
-          </a:ln>
-        </p:spPr>
-        <p:style>
-          <a:lnRef idx="2">
-            <a:schemeClr val="accent1">
-              <a:shade val="50000"/>
-            </a:schemeClr>
-          </a:lnRef>
-          <a:fillRef idx="1">
-            <a:schemeClr val="accent1"/>
-          </a:fillRef>
-          <a:effectRef idx="0">
-            <a:schemeClr val="accent1"/>
-          </a:effectRef>
-          <a:fontRef idx="minor">
-            <a:schemeClr val="lt1"/>
-          </a:fontRef>
-        </p:style>
-        <p:txBody>
-          <a:bodyPr rtlCol="0" anchor="ctr"/>
-          <a:lstStyle/>
-          <a:p>
-            <a:pPr algn="ctr"/>
-            <a:endParaRPr lang="en-AU"/>
-          </a:p>
-        </p:txBody>
-      </p:sp>
-      <p:sp>
-        <p:nvSpPr>
-          <p:cNvPr id="83" name="Freeform 82"/>
-          <p:cNvSpPr/>
-          <p:nvPr/>
-        </p:nvSpPr>
-        <p:spPr>
-          <a:xfrm>
-            <a:off x="9091835" y="5354989"/>
-            <a:ext cx="568795" cy="625675"/>
+            <a:off x="1096750" y="2265541"/>
+            <a:ext cx="2160000" cy="2160000"/>
           </a:xfrm>
           <a:custGeom>
             <a:avLst/>
@@ -5768,468 +6849,11 @@
             </a:pathLst>
           </a:custGeom>
           <a:solidFill>
-            <a:schemeClr val="accent5">
-              <a:lumMod val="20000"/>
-              <a:lumOff val="80000"/>
-            </a:schemeClr>
+            <a:schemeClr val="bg1"/>
           </a:solidFill>
           <a:ln>
             <a:solidFill>
-              <a:schemeClr val="accent5">
-                <a:lumMod val="75000"/>
-              </a:schemeClr>
-            </a:solidFill>
-          </a:ln>
-        </p:spPr>
-        <p:style>
-          <a:lnRef idx="2">
-            <a:schemeClr val="accent1">
-              <a:shade val="50000"/>
-            </a:schemeClr>
-          </a:lnRef>
-          <a:fillRef idx="1">
-            <a:schemeClr val="accent1"/>
-          </a:fillRef>
-          <a:effectRef idx="0">
-            <a:schemeClr val="accent1"/>
-          </a:effectRef>
-          <a:fontRef idx="minor">
-            <a:schemeClr val="lt1"/>
-          </a:fontRef>
-        </p:style>
-        <p:txBody>
-          <a:bodyPr rtlCol="0" anchor="ctr"/>
-          <a:lstStyle/>
-          <a:p>
-            <a:pPr algn="ctr"/>
-            <a:endParaRPr lang="en-AU"/>
-          </a:p>
-        </p:txBody>
-      </p:sp>
-      <p:sp>
-        <p:nvSpPr>
-          <p:cNvPr id="17" name="TextBox 16"/>
-          <p:cNvSpPr txBox="1"/>
-          <p:nvPr/>
-        </p:nvSpPr>
-        <p:spPr>
-          <a:xfrm>
-            <a:off x="6366687" y="403538"/>
-            <a:ext cx="4627421" cy="461665"/>
-          </a:xfrm>
-          <a:prstGeom prst="rect">
-            <a:avLst/>
-          </a:prstGeom>
-          <a:noFill/>
-        </p:spPr>
-        <p:txBody>
-          <a:bodyPr wrap="none" rtlCol="0">
-            <a:spAutoFit/>
-          </a:bodyPr>
-          <a:lstStyle/>
-          <a:p>
-            <a:r>
-              <a:rPr lang="en-AU" sz="2400" b="1" dirty="0" smtClean="0"/>
-              <a:t>Catchline: </a:t>
-            </a:r>
-            <a:r>
-              <a:rPr lang="en-AU" dirty="0"/>
-              <a:t> </a:t>
-            </a:r>
-            <a:r>
-              <a:rPr lang="en-AU" dirty="0" smtClean="0"/>
-              <a:t>     grade </a:t>
-            </a:r>
-            <a:r>
-              <a:rPr lang="en-AU" dirty="0"/>
-              <a:t>education in your </a:t>
-            </a:r>
-            <a:r>
-              <a:rPr lang="en-AU" dirty="0" smtClean="0"/>
-              <a:t>grip!</a:t>
-            </a:r>
-          </a:p>
-        </p:txBody>
-      </p:sp>
-      <p:sp>
-        <p:nvSpPr>
-          <p:cNvPr id="18" name="Freeform 17"/>
-          <p:cNvSpPr/>
-          <p:nvPr/>
-        </p:nvSpPr>
-        <p:spPr>
-          <a:xfrm>
-            <a:off x="7762522" y="495736"/>
-            <a:ext cx="265348" cy="291882"/>
-          </a:xfrm>
-          <a:custGeom>
-            <a:avLst/>
-            <a:gdLst>
-              <a:gd name="connsiteX0" fmla="*/ 1080000 w 2160000"/>
-              <a:gd name="connsiteY0" fmla="*/ 0 h 2160000"/>
-              <a:gd name="connsiteX1" fmla="*/ 2154424 w 2160000"/>
-              <a:gd name="connsiteY1" fmla="*/ 969576 h 2160000"/>
-              <a:gd name="connsiteX2" fmla="*/ 2157027 w 2160000"/>
-              <a:gd name="connsiteY2" fmla="*/ 1021127 h 2160000"/>
-              <a:gd name="connsiteX3" fmla="*/ 2159999 w 2160000"/>
-              <a:gd name="connsiteY3" fmla="*/ 1021127 h 2160000"/>
-              <a:gd name="connsiteX4" fmla="*/ 2159999 w 2160000"/>
-              <a:gd name="connsiteY4" fmla="*/ 1079980 h 2160000"/>
-              <a:gd name="connsiteX5" fmla="*/ 2160000 w 2160000"/>
-              <a:gd name="connsiteY5" fmla="*/ 1080000 h 2160000"/>
-              <a:gd name="connsiteX6" fmla="*/ 2159999 w 2160000"/>
-              <a:gd name="connsiteY6" fmla="*/ 1080021 h 2160000"/>
-              <a:gd name="connsiteX7" fmla="*/ 2159999 w 2160000"/>
-              <a:gd name="connsiteY7" fmla="*/ 1716639 h 2160000"/>
-              <a:gd name="connsiteX8" fmla="*/ 2157838 w 2160000"/>
-              <a:gd name="connsiteY8" fmla="*/ 1716639 h 2160000"/>
-              <a:gd name="connsiteX9" fmla="*/ 2160000 w 2160000"/>
-              <a:gd name="connsiteY9" fmla="*/ 1738544 h 2160000"/>
-              <a:gd name="connsiteX10" fmla="*/ 1891921 w 2160000"/>
-              <a:gd name="connsiteY10" fmla="*/ 2012333 h 2160000"/>
-              <a:gd name="connsiteX11" fmla="*/ 1623842 w 2160000"/>
-              <a:gd name="connsiteY11" fmla="*/ 1738544 h 2160000"/>
-              <a:gd name="connsiteX12" fmla="*/ 1626005 w 2160000"/>
-              <a:gd name="connsiteY12" fmla="*/ 1716639 h 2160000"/>
-              <a:gd name="connsiteX13" fmla="*/ 1620298 w 2160000"/>
-              <a:gd name="connsiteY13" fmla="*/ 1716639 h 2160000"/>
-              <a:gd name="connsiteX14" fmla="*/ 1620298 w 2160000"/>
-              <a:gd name="connsiteY14" fmla="*/ 1090950 h 2160000"/>
-              <a:gd name="connsiteX15" fmla="*/ 1618898 w 2160000"/>
-              <a:gd name="connsiteY15" fmla="*/ 1090937 h 2160000"/>
-              <a:gd name="connsiteX16" fmla="*/ 1620000 w 2160000"/>
-              <a:gd name="connsiteY16" fmla="*/ 1080000 h 2160000"/>
-              <a:gd name="connsiteX17" fmla="*/ 1080000 w 2160000"/>
-              <a:gd name="connsiteY17" fmla="*/ 540000 h 2160000"/>
-              <a:gd name="connsiteX18" fmla="*/ 540000 w 2160000"/>
-              <a:gd name="connsiteY18" fmla="*/ 1080000 h 2160000"/>
-              <a:gd name="connsiteX19" fmla="*/ 1080000 w 2160000"/>
-              <a:gd name="connsiteY19" fmla="*/ 1620000 h 2160000"/>
-              <a:gd name="connsiteX20" fmla="*/ 1172144 w 2160000"/>
-              <a:gd name="connsiteY20" fmla="*/ 1610711 h 2160000"/>
-              <a:gd name="connsiteX21" fmla="*/ 1192722 w 2160000"/>
-              <a:gd name="connsiteY21" fmla="*/ 1599542 h 2160000"/>
-              <a:gd name="connsiteX22" fmla="*/ 1205334 w 2160000"/>
-              <a:gd name="connsiteY22" fmla="*/ 1595627 h 2160000"/>
-              <a:gd name="connsiteX23" fmla="*/ 1218649 w 2160000"/>
-              <a:gd name="connsiteY23" fmla="*/ 1594482 h 2160000"/>
-              <a:gd name="connsiteX24" fmla="*/ 1273176 w 2160000"/>
-              <a:gd name="connsiteY24" fmla="*/ 1581875 h 2160000"/>
-              <a:gd name="connsiteX25" fmla="*/ 1277433 w 2160000"/>
-              <a:gd name="connsiteY25" fmla="*/ 1580379 h 2160000"/>
-              <a:gd name="connsiteX26" fmla="*/ 1297818 w 2160000"/>
-              <a:gd name="connsiteY26" fmla="*/ 1578324 h 2160000"/>
-              <a:gd name="connsiteX27" fmla="*/ 1567818 w 2160000"/>
-              <a:gd name="connsiteY27" fmla="*/ 1848324 h 2160000"/>
-              <a:gd name="connsiteX28" fmla="*/ 1469563 w 2160000"/>
-              <a:gd name="connsiteY28" fmla="*/ 2056669 h 2160000"/>
-              <a:gd name="connsiteX29" fmla="*/ 1412948 w 2160000"/>
-              <a:gd name="connsiteY29" fmla="*/ 2091019 h 2160000"/>
-              <a:gd name="connsiteX30" fmla="*/ 1398272 w 2160000"/>
-              <a:gd name="connsiteY30" fmla="*/ 2101498 h 2160000"/>
-              <a:gd name="connsiteX31" fmla="*/ 1374464 w 2160000"/>
-              <a:gd name="connsiteY31" fmla="*/ 2110955 h 2160000"/>
-              <a:gd name="connsiteX32" fmla="*/ 1376211 w 2160000"/>
-              <a:gd name="connsiteY32" fmla="*/ 2117860 h 2160000"/>
-              <a:gd name="connsiteX33" fmla="*/ 1321962 w 2160000"/>
-              <a:gd name="connsiteY33" fmla="*/ 2131809 h 2160000"/>
-              <a:gd name="connsiteX34" fmla="*/ 1306247 w 2160000"/>
-              <a:gd name="connsiteY34" fmla="*/ 2138051 h 2160000"/>
-              <a:gd name="connsiteX35" fmla="*/ 1267530 w 2160000"/>
-              <a:gd name="connsiteY35" fmla="*/ 2142656 h 2160000"/>
-              <a:gd name="connsiteX36" fmla="*/ 1190424 w 2160000"/>
-              <a:gd name="connsiteY36" fmla="*/ 2154424 h 2160000"/>
-              <a:gd name="connsiteX37" fmla="*/ 1080000 w 2160000"/>
-              <a:gd name="connsiteY37" fmla="*/ 2160000 h 2160000"/>
-              <a:gd name="connsiteX38" fmla="*/ 0 w 2160000"/>
-              <a:gd name="connsiteY38" fmla="*/ 1080000 h 2160000"/>
-              <a:gd name="connsiteX39" fmla="*/ 1080000 w 2160000"/>
-              <a:gd name="connsiteY39" fmla="*/ 0 h 2160000"/>
-            </a:gdLst>
-            <a:ahLst/>
-            <a:cxnLst>
-              <a:cxn ang="0">
-                <a:pos x="connsiteX0" y="connsiteY0"/>
-              </a:cxn>
-              <a:cxn ang="0">
-                <a:pos x="connsiteX1" y="connsiteY1"/>
-              </a:cxn>
-              <a:cxn ang="0">
-                <a:pos x="connsiteX2" y="connsiteY2"/>
-              </a:cxn>
-              <a:cxn ang="0">
-                <a:pos x="connsiteX3" y="connsiteY3"/>
-              </a:cxn>
-              <a:cxn ang="0">
-                <a:pos x="connsiteX4" y="connsiteY4"/>
-              </a:cxn>
-              <a:cxn ang="0">
-                <a:pos x="connsiteX5" y="connsiteY5"/>
-              </a:cxn>
-              <a:cxn ang="0">
-                <a:pos x="connsiteX6" y="connsiteY6"/>
-              </a:cxn>
-              <a:cxn ang="0">
-                <a:pos x="connsiteX7" y="connsiteY7"/>
-              </a:cxn>
-              <a:cxn ang="0">
-                <a:pos x="connsiteX8" y="connsiteY8"/>
-              </a:cxn>
-              <a:cxn ang="0">
-                <a:pos x="connsiteX9" y="connsiteY9"/>
-              </a:cxn>
-              <a:cxn ang="0">
-                <a:pos x="connsiteX10" y="connsiteY10"/>
-              </a:cxn>
-              <a:cxn ang="0">
-                <a:pos x="connsiteX11" y="connsiteY11"/>
-              </a:cxn>
-              <a:cxn ang="0">
-                <a:pos x="connsiteX12" y="connsiteY12"/>
-              </a:cxn>
-              <a:cxn ang="0">
-                <a:pos x="connsiteX13" y="connsiteY13"/>
-              </a:cxn>
-              <a:cxn ang="0">
-                <a:pos x="connsiteX14" y="connsiteY14"/>
-              </a:cxn>
-              <a:cxn ang="0">
-                <a:pos x="connsiteX15" y="connsiteY15"/>
-              </a:cxn>
-              <a:cxn ang="0">
-                <a:pos x="connsiteX16" y="connsiteY16"/>
-              </a:cxn>
-              <a:cxn ang="0">
-                <a:pos x="connsiteX17" y="connsiteY17"/>
-              </a:cxn>
-              <a:cxn ang="0">
-                <a:pos x="connsiteX18" y="connsiteY18"/>
-              </a:cxn>
-              <a:cxn ang="0">
-                <a:pos x="connsiteX19" y="connsiteY19"/>
-              </a:cxn>
-              <a:cxn ang="0">
-                <a:pos x="connsiteX20" y="connsiteY20"/>
-              </a:cxn>
-              <a:cxn ang="0">
-                <a:pos x="connsiteX21" y="connsiteY21"/>
-              </a:cxn>
-              <a:cxn ang="0">
-                <a:pos x="connsiteX22" y="connsiteY22"/>
-              </a:cxn>
-              <a:cxn ang="0">
-                <a:pos x="connsiteX23" y="connsiteY23"/>
-              </a:cxn>
-              <a:cxn ang="0">
-                <a:pos x="connsiteX24" y="connsiteY24"/>
-              </a:cxn>
-              <a:cxn ang="0">
-                <a:pos x="connsiteX25" y="connsiteY25"/>
-              </a:cxn>
-              <a:cxn ang="0">
-                <a:pos x="connsiteX26" y="connsiteY26"/>
-              </a:cxn>
-              <a:cxn ang="0">
-                <a:pos x="connsiteX27" y="connsiteY27"/>
-              </a:cxn>
-              <a:cxn ang="0">
-                <a:pos x="connsiteX28" y="connsiteY28"/>
-              </a:cxn>
-              <a:cxn ang="0">
-                <a:pos x="connsiteX29" y="connsiteY29"/>
-              </a:cxn>
-              <a:cxn ang="0">
-                <a:pos x="connsiteX30" y="connsiteY30"/>
-              </a:cxn>
-              <a:cxn ang="0">
-                <a:pos x="connsiteX31" y="connsiteY31"/>
-              </a:cxn>
-              <a:cxn ang="0">
-                <a:pos x="connsiteX32" y="connsiteY32"/>
-              </a:cxn>
-              <a:cxn ang="0">
-                <a:pos x="connsiteX33" y="connsiteY33"/>
-              </a:cxn>
-              <a:cxn ang="0">
-                <a:pos x="connsiteX34" y="connsiteY34"/>
-              </a:cxn>
-              <a:cxn ang="0">
-                <a:pos x="connsiteX35" y="connsiteY35"/>
-              </a:cxn>
-              <a:cxn ang="0">
-                <a:pos x="connsiteX36" y="connsiteY36"/>
-              </a:cxn>
-              <a:cxn ang="0">
-                <a:pos x="connsiteX37" y="connsiteY37"/>
-              </a:cxn>
-              <a:cxn ang="0">
-                <a:pos x="connsiteX38" y="connsiteY38"/>
-              </a:cxn>
-              <a:cxn ang="0">
-                <a:pos x="connsiteX39" y="connsiteY39"/>
-              </a:cxn>
-            </a:cxnLst>
-            <a:rect l="l" t="t" r="r" b="b"/>
-            <a:pathLst>
-              <a:path w="2160000" h="2160000">
-                <a:moveTo>
-                  <a:pt x="1080000" y="0"/>
-                </a:moveTo>
-                <a:cubicBezTo>
-                  <a:pt x="1639189" y="0"/>
-                  <a:pt x="2099117" y="424979"/>
-                  <a:pt x="2154424" y="969576"/>
-                </a:cubicBezTo>
-                <a:lnTo>
-                  <a:pt x="2157027" y="1021127"/>
-                </a:lnTo>
-                <a:lnTo>
-                  <a:pt x="2159999" y="1021127"/>
-                </a:lnTo>
-                <a:lnTo>
-                  <a:pt x="2159999" y="1079980"/>
-                </a:lnTo>
-                <a:lnTo>
-                  <a:pt x="2160000" y="1080000"/>
-                </a:lnTo>
-                <a:lnTo>
-                  <a:pt x="2159999" y="1080021"/>
-                </a:lnTo>
-                <a:lnTo>
-                  <a:pt x="2159999" y="1716639"/>
-                </a:lnTo>
-                <a:lnTo>
-                  <a:pt x="2157838" y="1716639"/>
-                </a:lnTo>
-                <a:lnTo>
-                  <a:pt x="2160000" y="1738544"/>
-                </a:lnTo>
-                <a:cubicBezTo>
-                  <a:pt x="2160000" y="1889753"/>
-                  <a:pt x="2039977" y="2012333"/>
-                  <a:pt x="1891921" y="2012333"/>
-                </a:cubicBezTo>
-                <a:cubicBezTo>
-                  <a:pt x="1743865" y="2012333"/>
-                  <a:pt x="1623842" y="1889753"/>
-                  <a:pt x="1623842" y="1738544"/>
-                </a:cubicBezTo>
-                <a:lnTo>
-                  <a:pt x="1626005" y="1716639"/>
-                </a:lnTo>
-                <a:lnTo>
-                  <a:pt x="1620298" y="1716639"/>
-                </a:lnTo>
-                <a:lnTo>
-                  <a:pt x="1620298" y="1090950"/>
-                </a:lnTo>
-                <a:lnTo>
-                  <a:pt x="1618898" y="1090937"/>
-                </a:lnTo>
-                <a:lnTo>
-                  <a:pt x="1620000" y="1080000"/>
-                </a:lnTo>
-                <a:cubicBezTo>
-                  <a:pt x="1620000" y="781766"/>
-                  <a:pt x="1378234" y="540000"/>
-                  <a:pt x="1080000" y="540000"/>
-                </a:cubicBezTo>
-                <a:cubicBezTo>
-                  <a:pt x="781766" y="540000"/>
-                  <a:pt x="540000" y="781766"/>
-                  <a:pt x="540000" y="1080000"/>
-                </a:cubicBezTo>
-                <a:cubicBezTo>
-                  <a:pt x="540000" y="1378234"/>
-                  <a:pt x="781766" y="1620000"/>
-                  <a:pt x="1080000" y="1620000"/>
-                </a:cubicBezTo>
-                <a:lnTo>
-                  <a:pt x="1172144" y="1610711"/>
-                </a:lnTo>
-                <a:lnTo>
-                  <a:pt x="1192722" y="1599542"/>
-                </a:lnTo>
-                <a:lnTo>
-                  <a:pt x="1205334" y="1595627"/>
-                </a:lnTo>
-                <a:lnTo>
-                  <a:pt x="1218649" y="1594482"/>
-                </a:lnTo>
-                <a:cubicBezTo>
-                  <a:pt x="1237851" y="1591023"/>
-                  <a:pt x="1256099" y="1586790"/>
-                  <a:pt x="1273176" y="1581875"/>
-                </a:cubicBezTo>
-                <a:lnTo>
-                  <a:pt x="1277433" y="1580379"/>
-                </a:lnTo>
-                <a:lnTo>
-                  <a:pt x="1297818" y="1578324"/>
-                </a:lnTo>
-                <a:cubicBezTo>
-                  <a:pt x="1446935" y="1578324"/>
-                  <a:pt x="1567818" y="1699207"/>
-                  <a:pt x="1567818" y="1848324"/>
-                </a:cubicBezTo>
-                <a:cubicBezTo>
-                  <a:pt x="1567818" y="1932202"/>
-                  <a:pt x="1529570" y="2007147"/>
-                  <a:pt x="1469563" y="2056669"/>
-                </a:cubicBezTo>
-                <a:lnTo>
-                  <a:pt x="1412948" y="2091019"/>
-                </a:lnTo>
-                <a:lnTo>
-                  <a:pt x="1398272" y="2101498"/>
-                </a:lnTo>
-                <a:lnTo>
-                  <a:pt x="1374464" y="2110955"/>
-                </a:lnTo>
-                <a:lnTo>
-                  <a:pt x="1376211" y="2117860"/>
-                </a:lnTo>
-                <a:lnTo>
-                  <a:pt x="1321962" y="2131809"/>
-                </a:lnTo>
-                <a:lnTo>
-                  <a:pt x="1306247" y="2138051"/>
-                </a:lnTo>
-                <a:lnTo>
-                  <a:pt x="1267530" y="2142656"/>
-                </a:lnTo>
-                <a:lnTo>
-                  <a:pt x="1190424" y="2154424"/>
-                </a:lnTo>
-                <a:cubicBezTo>
-                  <a:pt x="1154118" y="2158111"/>
-                  <a:pt x="1117280" y="2160000"/>
-                  <a:pt x="1080000" y="2160000"/>
-                </a:cubicBezTo>
-                <a:cubicBezTo>
-                  <a:pt x="483532" y="2160000"/>
-                  <a:pt x="0" y="1676468"/>
-                  <a:pt x="0" y="1080000"/>
-                </a:cubicBezTo>
-                <a:cubicBezTo>
-                  <a:pt x="0" y="483532"/>
-                  <a:pt x="483532" y="0"/>
-                  <a:pt x="1080000" y="0"/>
-                </a:cubicBezTo>
-                <a:close/>
-              </a:path>
-            </a:pathLst>
-          </a:custGeom>
-          <a:solidFill>
-            <a:schemeClr val="accent5">
-              <a:lumMod val="75000"/>
-            </a:schemeClr>
-          </a:solidFill>
-          <a:ln>
-            <a:solidFill>
-              <a:schemeClr val="accent5">
-                <a:lumMod val="75000"/>
-              </a:schemeClr>
+              <a:schemeClr val="bg1"/>
             </a:solidFill>
           </a:ln>
         </p:spPr>
